--- a/Solving Mazes Using A Algorithm.pptx
+++ b/Solving Mazes Using A Algorithm.pptx
@@ -5,19 +5,19 @@
     <p:sldMasterId id="2147483648" r:id="rId1"/>
   </p:sldMasterIdLst>
   <p:sldIdLst>
-    <p:sldId id="256" r:id="rId42"/>
-    <p:sldId id="257" r:id="rId43"/>
-    <p:sldId id="258" r:id="rId44"/>
-    <p:sldId id="259" r:id="rId45"/>
-    <p:sldId id="260" r:id="rId46"/>
-    <p:sldId id="261" r:id="rId47"/>
-    <p:sldId id="262" r:id="rId48"/>
-    <p:sldId id="263" r:id="rId49"/>
-    <p:sldId id="264" r:id="rId50"/>
-    <p:sldId id="265" r:id="rId51"/>
-    <p:sldId id="266" r:id="rId52"/>
-    <p:sldId id="267" r:id="rId53"/>
-    <p:sldId id="268" r:id="rId54"/>
+    <p:sldId id="256" r:id="rId43"/>
+    <p:sldId id="257" r:id="rId44"/>
+    <p:sldId id="258" r:id="rId45"/>
+    <p:sldId id="259" r:id="rId46"/>
+    <p:sldId id="260" r:id="rId47"/>
+    <p:sldId id="261" r:id="rId48"/>
+    <p:sldId id="262" r:id="rId49"/>
+    <p:sldId id="263" r:id="rId50"/>
+    <p:sldId id="264" r:id="rId51"/>
+    <p:sldId id="265" r:id="rId52"/>
+    <p:sldId id="266" r:id="rId53"/>
+    <p:sldId id="267" r:id="rId54"/>
+    <p:sldId id="268" r:id="rId55"/>
   </p:sldIdLst>
   <p:sldSz cx="18288000" cy="10287000"/>
   <p:notesSz cx="6858000" cy="9144000"/>
@@ -39,132 +39,136 @@
       <p:regular r:id="rId9"/>
     </p:embeddedFont>
     <p:embeddedFont>
-      <p:font typeface="Halimum" charset="1" panose="00000000000000000000"/>
+      <p:font typeface="Nickainley" charset="1" panose="00000500000000000000"/>
       <p:regular r:id="rId10"/>
     </p:embeddedFont>
     <p:embeddedFont>
-      <p:font typeface="Poppins" charset="1" panose="00000500000000000000"/>
+      <p:font typeface="Halimum" charset="1" panose="00000000000000000000"/>
       <p:regular r:id="rId11"/>
     </p:embeddedFont>
     <p:embeddedFont>
-      <p:font typeface="Poppins Bold" charset="1" panose="00000800000000000000"/>
+      <p:font typeface="Poppins" charset="1" panose="00000500000000000000"/>
       <p:regular r:id="rId12"/>
     </p:embeddedFont>
     <p:embeddedFont>
-      <p:font typeface="Poppins Italics" charset="1" panose="00000500000000000000"/>
+      <p:font typeface="Poppins Bold" charset="1" panose="00000800000000000000"/>
       <p:regular r:id="rId13"/>
     </p:embeddedFont>
     <p:embeddedFont>
-      <p:font typeface="Poppins Bold Italics" charset="1" panose="00000800000000000000"/>
+      <p:font typeface="Poppins Italics" charset="1" panose="00000500000000000000"/>
       <p:regular r:id="rId14"/>
     </p:embeddedFont>
     <p:embeddedFont>
-      <p:font typeface="Poppins Thin" charset="1" panose="00000300000000000000"/>
+      <p:font typeface="Poppins Bold Italics" charset="1" panose="00000800000000000000"/>
       <p:regular r:id="rId15"/>
     </p:embeddedFont>
     <p:embeddedFont>
-      <p:font typeface="Poppins Thin Italics" charset="1" panose="00000300000000000000"/>
+      <p:font typeface="Poppins Thin" charset="1" panose="00000300000000000000"/>
       <p:regular r:id="rId16"/>
     </p:embeddedFont>
     <p:embeddedFont>
-      <p:font typeface="Poppins Extra-Light" charset="1" panose="00000300000000000000"/>
+      <p:font typeface="Poppins Thin Italics" charset="1" panose="00000300000000000000"/>
       <p:regular r:id="rId17"/>
     </p:embeddedFont>
     <p:embeddedFont>
-      <p:font typeface="Poppins Extra-Light Italics" charset="1" panose="00000300000000000000"/>
+      <p:font typeface="Poppins Extra-Light" charset="1" panose="00000300000000000000"/>
       <p:regular r:id="rId18"/>
     </p:embeddedFont>
     <p:embeddedFont>
-      <p:font typeface="Poppins Light" charset="1" panose="00000400000000000000"/>
+      <p:font typeface="Poppins Extra-Light Italics" charset="1" panose="00000300000000000000"/>
       <p:regular r:id="rId19"/>
     </p:embeddedFont>
     <p:embeddedFont>
-      <p:font typeface="Poppins Light Italics" charset="1" panose="00000400000000000000"/>
+      <p:font typeface="Poppins Light" charset="1" panose="00000400000000000000"/>
       <p:regular r:id="rId20"/>
     </p:embeddedFont>
     <p:embeddedFont>
-      <p:font typeface="Poppins Medium" charset="1" panose="00000600000000000000"/>
+      <p:font typeface="Poppins Light Italics" charset="1" panose="00000400000000000000"/>
       <p:regular r:id="rId21"/>
     </p:embeddedFont>
     <p:embeddedFont>
-      <p:font typeface="Poppins Medium Italics" charset="1" panose="00000600000000000000"/>
+      <p:font typeface="Poppins Medium" charset="1" panose="00000600000000000000"/>
       <p:regular r:id="rId22"/>
     </p:embeddedFont>
     <p:embeddedFont>
-      <p:font typeface="Poppins Semi-Bold" charset="1" panose="00000700000000000000"/>
+      <p:font typeface="Poppins Medium Italics" charset="1" panose="00000600000000000000"/>
       <p:regular r:id="rId23"/>
     </p:embeddedFont>
     <p:embeddedFont>
-      <p:font typeface="Poppins Semi-Bold Italics" charset="1" panose="00000700000000000000"/>
+      <p:font typeface="Poppins Semi-Bold" charset="1" panose="00000700000000000000"/>
       <p:regular r:id="rId24"/>
     </p:embeddedFont>
     <p:embeddedFont>
-      <p:font typeface="Poppins Ultra-Bold" charset="1" panose="00000900000000000000"/>
+      <p:font typeface="Poppins Semi-Bold Italics" charset="1" panose="00000700000000000000"/>
       <p:regular r:id="rId25"/>
     </p:embeddedFont>
     <p:embeddedFont>
-      <p:font typeface="Poppins Ultra-Bold Italics" charset="1" panose="00000900000000000000"/>
+      <p:font typeface="Poppins Ultra-Bold" charset="1" panose="00000900000000000000"/>
       <p:regular r:id="rId26"/>
     </p:embeddedFont>
     <p:embeddedFont>
-      <p:font typeface="Poppins Heavy" charset="1" panose="00000A00000000000000"/>
+      <p:font typeface="Poppins Ultra-Bold Italics" charset="1" panose="00000900000000000000"/>
       <p:regular r:id="rId27"/>
     </p:embeddedFont>
     <p:embeddedFont>
-      <p:font typeface="Poppins Heavy Italics" charset="1" panose="00000A00000000000000"/>
+      <p:font typeface="Poppins Heavy" charset="1" panose="00000A00000000000000"/>
       <p:regular r:id="rId28"/>
     </p:embeddedFont>
     <p:embeddedFont>
-      <p:font typeface="JetBrains Mono" charset="1" panose="02010509020102050004"/>
+      <p:font typeface="Poppins Heavy Italics" charset="1" panose="00000A00000000000000"/>
       <p:regular r:id="rId29"/>
     </p:embeddedFont>
     <p:embeddedFont>
-      <p:font typeface="JetBrains Mono Bold" charset="1" panose="02010809030102050004"/>
+      <p:font typeface="JetBrains Mono" charset="1" panose="02010509020102050004"/>
       <p:regular r:id="rId30"/>
     </p:embeddedFont>
     <p:embeddedFont>
-      <p:font typeface="JetBrains Mono Italics" charset="1" panose="02010509020102050004"/>
+      <p:font typeface="JetBrains Mono Bold" charset="1" panose="02010809030102050004"/>
       <p:regular r:id="rId31"/>
     </p:embeddedFont>
     <p:embeddedFont>
-      <p:font typeface="JetBrains Mono Bold Italics" charset="1" panose="02010809030102050004"/>
+      <p:font typeface="JetBrains Mono Italics" charset="1" panose="02010509020102050004"/>
       <p:regular r:id="rId32"/>
     </p:embeddedFont>
     <p:embeddedFont>
-      <p:font typeface="JetBrains Mono Medium" charset="1" panose="02010609020102050004"/>
+      <p:font typeface="JetBrains Mono Bold Italics" charset="1" panose="02010809030102050004"/>
       <p:regular r:id="rId33"/>
     </p:embeddedFont>
     <p:embeddedFont>
-      <p:font typeface="JetBrains Mono Medium Italics" charset="1" panose="02010609020102050004"/>
+      <p:font typeface="JetBrains Mono Medium" charset="1" panose="02010609020102050004"/>
       <p:regular r:id="rId34"/>
     </p:embeddedFont>
     <p:embeddedFont>
-      <p:font typeface="JetBrains Mono Ultra-Bold" charset="1" panose="02010909030102050004"/>
+      <p:font typeface="JetBrains Mono Medium Italics" charset="1" panose="02010609020102050004"/>
       <p:regular r:id="rId35"/>
     </p:embeddedFont>
     <p:embeddedFont>
-      <p:font typeface="JetBrains Mono Ultra-Bold Italics" charset="1" panose="02010909030102050004"/>
+      <p:font typeface="JetBrains Mono Ultra-Bold" charset="1" panose="02010909030102050004"/>
       <p:regular r:id="rId36"/>
     </p:embeddedFont>
     <p:embeddedFont>
-      <p:font typeface="Hind Jalandhar" charset="1" panose="02000000000000000000"/>
+      <p:font typeface="JetBrains Mono Ultra-Bold Italics" charset="1" panose="02010909030102050004"/>
       <p:regular r:id="rId37"/>
     </p:embeddedFont>
     <p:embeddedFont>
-      <p:font typeface="Hind Jalandhar Bold" charset="1" panose="02000000000000000000"/>
+      <p:font typeface="Hind Jalandhar" charset="1" panose="02000000000000000000"/>
       <p:regular r:id="rId38"/>
     </p:embeddedFont>
     <p:embeddedFont>
-      <p:font typeface="Hind Jalandhar Light" charset="1" panose="02000000000000000000"/>
+      <p:font typeface="Hind Jalandhar Bold" charset="1" panose="02000000000000000000"/>
       <p:regular r:id="rId39"/>
     </p:embeddedFont>
     <p:embeddedFont>
-      <p:font typeface="Hind Jalandhar Medium" charset="1" panose="02000000000000000000"/>
+      <p:font typeface="Hind Jalandhar Light" charset="1" panose="02000000000000000000"/>
       <p:regular r:id="rId40"/>
     </p:embeddedFont>
     <p:embeddedFont>
+      <p:font typeface="Hind Jalandhar Medium" charset="1" panose="02000000000000000000"/>
+      <p:regular r:id="rId41"/>
+    </p:embeddedFont>
+    <p:embeddedFont>
       <p:font typeface="Hind Jalandhar Semi-Bold" charset="1" panose="02000000000000000000"/>
-      <p:regular r:id="rId41"/>
+      <p:regular r:id="rId42"/>
     </p:embeddedFont>
   </p:embeddedFontLst>
   <p:defaultTextStyle>
@@ -5011,6 +5015,9 @@
   <p:clrMapOvr>
     <a:masterClrMapping/>
   </p:clrMapOvr>
+  <p:transition spd="fast">
+    <p:fade/>
+  </p:transition>
 </p:sld>
 </file>
 
@@ -5307,7 +5314,7 @@
         <p:spPr>
           <a:xfrm flipH="false" flipV="false" rot="0">
             <a:off x="3117243" y="3250569"/>
-            <a:ext cx="5276100" cy="5194300"/>
+            <a:ext cx="5276100" cy="5189607"/>
           </a:xfrm>
           <a:custGeom>
             <a:avLst/>
@@ -5316,7 +5323,7 @@
             <a:cxnLst/>
             <a:rect r="r" b="b" t="t" l="l"/>
             <a:pathLst>
-              <a:path h="5194300" w="5276100">
+              <a:path h="5189607" w="5276100">
                 <a:moveTo>
                   <a:pt x="0" y="0"/>
                 </a:moveTo>
@@ -5324,10 +5331,10 @@
                   <a:pt x="5276100" y="0"/>
                 </a:lnTo>
                 <a:lnTo>
-                  <a:pt x="5276100" y="5194300"/>
-                </a:lnTo>
-                <a:lnTo>
-                  <a:pt x="0" y="5194300"/>
+                  <a:pt x="5276100" y="5189606"/>
+                </a:lnTo>
+                <a:lnTo>
+                  <a:pt x="0" y="5189606"/>
                 </a:lnTo>
                 <a:lnTo>
                   <a:pt x="0" y="0"/>
@@ -5346,7 +5353,53 @@
       </p:sp>
       <p:sp>
         <p:nvSpPr>
-          <p:cNvPr name="TextBox 8" id="8"/>
+          <p:cNvPr name="Freeform 8" id="8"/>
+          <p:cNvSpPr/>
+          <p:nvPr/>
+        </p:nvSpPr>
+        <p:spPr>
+          <a:xfrm flipH="false" flipV="false" rot="0">
+            <a:off x="11047094" y="7029787"/>
+            <a:ext cx="4499340" cy="2228513"/>
+          </a:xfrm>
+          <a:custGeom>
+            <a:avLst/>
+            <a:gdLst/>
+            <a:ahLst/>
+            <a:cxnLst/>
+            <a:rect r="r" b="b" t="t" l="l"/>
+            <a:pathLst>
+              <a:path h="2228513" w="4499340">
+                <a:moveTo>
+                  <a:pt x="0" y="0"/>
+                </a:moveTo>
+                <a:lnTo>
+                  <a:pt x="4499340" y="0"/>
+                </a:lnTo>
+                <a:lnTo>
+                  <a:pt x="4499340" y="2228513"/>
+                </a:lnTo>
+                <a:lnTo>
+                  <a:pt x="0" y="2228513"/>
+                </a:lnTo>
+                <a:lnTo>
+                  <a:pt x="0" y="0"/>
+                </a:lnTo>
+                <a:close/>
+              </a:path>
+            </a:pathLst>
+          </a:custGeom>
+          <a:blipFill>
+            <a:blip r:embed="rId13"/>
+            <a:stretch>
+              <a:fillRect l="0" t="0" r="0" b="0"/>
+            </a:stretch>
+          </a:blipFill>
+        </p:spPr>
+      </p:sp>
+      <p:sp>
+        <p:nvSpPr>
+          <p:cNvPr name="TextBox 9" id="9"/>
           <p:cNvSpPr txBox="true"/>
           <p:nvPr/>
         </p:nvSpPr>
@@ -5384,7 +5437,7 @@
       </p:sp>
       <p:sp>
         <p:nvSpPr>
-          <p:cNvPr name="TextBox 9" id="9"/>
+          <p:cNvPr name="TextBox 10" id="10"/>
           <p:cNvSpPr txBox="true"/>
           <p:nvPr/>
         </p:nvSpPr>
@@ -5422,14 +5475,14 @@
       </p:sp>
       <p:sp>
         <p:nvSpPr>
-          <p:cNvPr name="TextBox 10" id="10"/>
+          <p:cNvPr name="TextBox 11" id="11"/>
           <p:cNvSpPr txBox="true"/>
           <p:nvPr/>
         </p:nvSpPr>
         <p:spPr>
           <a:xfrm rot="0">
             <a:off x="8723873" y="3202944"/>
-            <a:ext cx="7282919" cy="5241925"/>
+            <a:ext cx="9145781" cy="3489325"/>
           </a:xfrm>
           <a:prstGeom prst="rect">
             <a:avLst/>
@@ -5453,26 +5506,15 @@
                 </a:solidFill>
                 <a:latin typeface="JetBrains Mono"/>
               </a:rPr>
-              <a:t>Postaviti stvarne udaljenosti (</a:t>
-            </a:r>
-            <a:r>
-              <a:rPr lang="en-US" sz="2499">
-                <a:solidFill>
-                  <a:srgbClr val="243440"/>
-                </a:solidFill>
-                <a:latin typeface="JetBrains Mono Bold"/>
-              </a:rPr>
-              <a:t>G</a:t>
-            </a:r>
-            <a:r>
-              <a:rPr lang="en-US" sz="2499">
-                <a:solidFill>
-                  <a:srgbClr val="243440"/>
-                </a:solidFill>
-                <a:latin typeface="JetBrains Mono"/>
-              </a:rPr>
-              <a:t>):</a:t>
-            </a:r>
+              <a:t>Kako A* bira put?</a:t>
+            </a:r>
+          </a:p>
+          <a:p>
+            <a:pPr>
+              <a:lnSpc>
+                <a:spcPts val="3499"/>
+              </a:lnSpc>
+            </a:pPr>
           </a:p>
           <a:p>
             <a:pPr marL="539749" indent="-269875" lvl="1">
@@ -5487,9 +5529,18 @@
                 <a:solidFill>
                   <a:srgbClr val="243440"/>
                 </a:solidFill>
+                <a:latin typeface="JetBrains Mono"/>
+              </a:rPr>
+              <a:t>Izračunaj </a:t>
+            </a:r>
+            <a:r>
+              <a:rPr lang="en-US" sz="2499">
+                <a:solidFill>
+                  <a:srgbClr val="243440"/>
+                </a:solidFill>
                 <a:latin typeface="JetBrains Mono Bold"/>
               </a:rPr>
-              <a:t>0</a:t>
+              <a:t>F</a:t>
             </a:r>
             <a:r>
               <a:rPr lang="en-US" sz="2499">
@@ -5498,7 +5549,7 @@
                 </a:solidFill>
                 <a:latin typeface="JetBrains Mono"/>
               </a:rPr>
-              <a:t> na početnu ćeliju</a:t>
+              <a:t> svakog susjeda</a:t>
             </a:r>
           </a:p>
           <a:p>
@@ -5514,10 +5565,40 @@
                 <a:solidFill>
                   <a:srgbClr val="243440"/>
                 </a:solidFill>
+                <a:latin typeface="JetBrains Mono"/>
+              </a:rPr>
+              <a:t>Odaberi najmanjeg</a:t>
+            </a:r>
+          </a:p>
+          <a:p>
+            <a:pPr>
+              <a:lnSpc>
+                <a:spcPts val="3499"/>
+              </a:lnSpc>
+            </a:pPr>
+          </a:p>
+          <a:p>
+            <a:pPr>
+              <a:lnSpc>
+                <a:spcPts val="3499"/>
+              </a:lnSpc>
+            </a:pPr>
+            <a:r>
+              <a:rPr lang="en-US" sz="2499">
+                <a:solidFill>
+                  <a:srgbClr val="243440"/>
+                </a:solidFill>
                 <a:latin typeface="JetBrains Mono Bold"/>
               </a:rPr>
-              <a:t>INIFINITY</a:t>
-            </a:r>
+              <a:t>   F = G + H</a:t>
+            </a:r>
+          </a:p>
+          <a:p>
+            <a:pPr>
+              <a:lnSpc>
+                <a:spcPts val="3499"/>
+              </a:lnSpc>
+            </a:pPr>
             <a:r>
               <a:rPr lang="en-US" sz="2499">
                 <a:solidFill>
@@ -5525,84 +5606,7 @@
                 </a:solidFill>
                 <a:latin typeface="JetBrains Mono"/>
               </a:rPr>
-              <a:t> na ostale</a:t>
-            </a:r>
-          </a:p>
-          <a:p>
-            <a:pPr>
-              <a:lnSpc>
-                <a:spcPts val="3499"/>
-              </a:lnSpc>
-            </a:pPr>
-          </a:p>
-          <a:p>
-            <a:pPr>
-              <a:lnSpc>
-                <a:spcPts val="3499"/>
-              </a:lnSpc>
-            </a:pPr>
-            <a:r>
-              <a:rPr lang="en-US" sz="2499">
-                <a:solidFill>
-                  <a:srgbClr val="243440"/>
-                </a:solidFill>
-                <a:latin typeface="JetBrains Mono"/>
-              </a:rPr>
-              <a:t>Koraci (petlja):</a:t>
-            </a:r>
-          </a:p>
-          <a:p>
-            <a:pPr marL="539749" indent="-269875" lvl="1">
-              <a:lnSpc>
-                <a:spcPts val="3499"/>
-              </a:lnSpc>
-              <a:buFont typeface="Arial"/>
-              <a:buChar char="•"/>
-            </a:pPr>
-            <a:r>
-              <a:rPr lang="en-US" sz="2499">
-                <a:solidFill>
-                  <a:srgbClr val="243440"/>
-                </a:solidFill>
-                <a:latin typeface="JetBrains Mono"/>
-              </a:rPr>
-              <a:t>Istraži sve susjedne ćelije</a:t>
-            </a:r>
-          </a:p>
-          <a:p>
-            <a:pPr marL="539749" indent="-269875" lvl="1">
-              <a:lnSpc>
-                <a:spcPts val="3499"/>
-              </a:lnSpc>
-              <a:buFont typeface="Arial"/>
-              <a:buChar char="•"/>
-            </a:pPr>
-            <a:r>
-              <a:rPr lang="en-US" sz="2499">
-                <a:solidFill>
-                  <a:srgbClr val="243440"/>
-                </a:solidFill>
-                <a:latin typeface="JetBrains Mono"/>
-              </a:rPr>
-              <a:t>G(susjedna) = G(trenutna) + 1</a:t>
-            </a:r>
-          </a:p>
-          <a:p>
-            <a:pPr marL="539749" indent="-269875" lvl="1">
-              <a:lnSpc>
-                <a:spcPts val="3499"/>
-              </a:lnSpc>
-              <a:buFont typeface="Arial"/>
-              <a:buChar char="•"/>
-            </a:pPr>
-            <a:r>
-              <a:rPr lang="en-US" sz="2499">
-                <a:solidFill>
-                  <a:srgbClr val="243440"/>
-                </a:solidFill>
-                <a:latin typeface="JetBrains Mono"/>
-              </a:rPr>
-              <a:t>Izračunaj </a:t>
+              <a:t>   </a:t>
             </a:r>
             <a:r>
               <a:rPr lang="en-US" sz="2499">
@@ -5611,78 +5615,8 @@
                 </a:solidFill>
                 <a:latin typeface="JetBrains Mono Bold"/>
               </a:rPr>
-              <a:t>H</a:t>
-            </a:r>
-            <a:r>
-              <a:rPr lang="en-US" sz="2499">
-                <a:solidFill>
-                  <a:srgbClr val="243440"/>
-                </a:solidFill>
-                <a:latin typeface="JetBrains Mono"/>
-              </a:rPr>
-              <a:t> i </a:t>
-            </a:r>
-            <a:r>
-              <a:rPr lang="en-US" sz="2499">
-                <a:solidFill>
-                  <a:srgbClr val="243440"/>
-                </a:solidFill>
-                <a:latin typeface="JetBrains Mono Bold"/>
-              </a:rPr>
-              <a:t>F </a:t>
-            </a:r>
-            <a:r>
-              <a:rPr lang="en-US" sz="2499">
-                <a:solidFill>
-                  <a:srgbClr val="243440"/>
-                </a:solidFill>
-                <a:latin typeface="JetBrains Mono"/>
-              </a:rPr>
-              <a:t>vrijednosti susjeda</a:t>
-            </a:r>
-          </a:p>
-          <a:p>
-            <a:pPr marL="539749" indent="-269875" lvl="1">
-              <a:lnSpc>
-                <a:spcPts val="3499"/>
-              </a:lnSpc>
-              <a:buFont typeface="Arial"/>
-              <a:buChar char="•"/>
-            </a:pPr>
-            <a:r>
-              <a:rPr lang="en-US" sz="2499">
-                <a:solidFill>
-                  <a:srgbClr val="243440"/>
-                </a:solidFill>
-                <a:latin typeface="JetBrains Mono"/>
-              </a:rPr>
-              <a:t>Postavi susjeda s najmanjim </a:t>
-            </a:r>
-            <a:r>
-              <a:rPr lang="en-US" sz="2499">
-                <a:solidFill>
-                  <a:srgbClr val="243440"/>
-                </a:solidFill>
-                <a:latin typeface="JetBrains Mono Bold"/>
-              </a:rPr>
-              <a:t>F </a:t>
-            </a:r>
-            <a:r>
-              <a:rPr lang="en-US" sz="2499">
-                <a:solidFill>
-                  <a:srgbClr val="243440"/>
-                </a:solidFill>
-                <a:latin typeface="JetBrains Mono"/>
-              </a:rPr>
-              <a:t>kao sljedeću ćeliju</a:t>
-            </a:r>
-          </a:p>
-          <a:p>
-            <a:pPr>
-              <a:lnSpc>
-                <a:spcPts val="3499"/>
-              </a:lnSpc>
-            </a:pPr>
+              <a:t>G(susjed) = G(trenutni) + 1</a:t>
+            </a:r>
           </a:p>
           <a:p>
             <a:pPr>
@@ -5698,16 +5632,16 @@
                 <a:solidFill>
                   <a:srgbClr val="243440"/>
                 </a:solidFill>
-                <a:latin typeface="JetBrains Mono"/>
+                <a:latin typeface="JetBrains Mono Bold"/>
               </a:rPr>
-              <a:t>Petlja prestaje kada se dođe do cilja</a:t>
+              <a:t>   H(susjed) = Manhattan udaljenost</a:t>
             </a:r>
           </a:p>
         </p:txBody>
       </p:sp>
       <p:sp>
         <p:nvSpPr>
-          <p:cNvPr name="TextBox 11" id="11"/>
+          <p:cNvPr name="TextBox 12" id="12"/>
           <p:cNvSpPr txBox="true"/>
           <p:nvPr/>
         </p:nvSpPr>
@@ -5776,6 +5710,9 @@
   <p:clrMapOvr>
     <a:masterClrMapping/>
   </p:clrMapOvr>
+  <p:transition spd="fast">
+    <p:fade/>
+  </p:transition>
 </p:sld>
 </file>
 
@@ -7471,11 +7408,139 @@
           </a:p>
         </p:txBody>
       </p:sp>
+      <p:grpSp>
+        <p:nvGrpSpPr>
+          <p:cNvPr name="Group 27" id="27"/>
+          <p:cNvGrpSpPr/>
+          <p:nvPr/>
+        </p:nvGrpSpPr>
+        <p:grpSpPr>
+          <a:xfrm rot="0">
+            <a:off x="13531215" y="7097078"/>
+            <a:ext cx="1739265" cy="147638"/>
+            <a:chOff x="0" y="0"/>
+            <a:chExt cx="2319020" cy="196850"/>
+          </a:xfrm>
+        </p:grpSpPr>
+        <p:sp>
+          <p:nvSpPr>
+            <p:cNvPr name="Freeform 28" id="28"/>
+            <p:cNvSpPr/>
+            <p:nvPr/>
+          </p:nvSpPr>
+          <p:spPr>
+            <a:xfrm flipH="false" flipV="false" rot="0">
+              <a:off x="49530" y="45720"/>
+              <a:ext cx="2221230" cy="144780"/>
+            </a:xfrm>
+            <a:custGeom>
+              <a:avLst/>
+              <a:gdLst/>
+              <a:ahLst/>
+              <a:cxnLst/>
+              <a:rect r="r" b="b" t="t" l="l"/>
+              <a:pathLst>
+                <a:path h="144780" w="2221230">
+                  <a:moveTo>
+                    <a:pt x="2203450" y="54610"/>
+                  </a:moveTo>
+                  <a:cubicBezTo>
+                    <a:pt x="1874520" y="93980"/>
+                    <a:pt x="1590040" y="96520"/>
+                    <a:pt x="1316990" y="100330"/>
+                  </a:cubicBezTo>
+                  <a:cubicBezTo>
+                    <a:pt x="949960" y="105410"/>
+                    <a:pt x="132080" y="144780"/>
+                    <a:pt x="26670" y="100330"/>
+                  </a:cubicBezTo>
+                  <a:cubicBezTo>
+                    <a:pt x="8890" y="92710"/>
+                    <a:pt x="1270" y="82550"/>
+                    <a:pt x="1270" y="73660"/>
+                  </a:cubicBezTo>
+                  <a:cubicBezTo>
+                    <a:pt x="1270" y="64770"/>
+                    <a:pt x="20320" y="50800"/>
+                    <a:pt x="29210" y="49530"/>
+                  </a:cubicBezTo>
+                  <a:cubicBezTo>
+                    <a:pt x="36830" y="49530"/>
+                    <a:pt x="46990" y="55880"/>
+                    <a:pt x="49530" y="62230"/>
+                  </a:cubicBezTo>
+                  <a:cubicBezTo>
+                    <a:pt x="53340" y="69850"/>
+                    <a:pt x="50800" y="87630"/>
+                    <a:pt x="44450" y="92710"/>
+                  </a:cubicBezTo>
+                  <a:cubicBezTo>
+                    <a:pt x="38100" y="97790"/>
+                    <a:pt x="21590" y="100330"/>
+                    <a:pt x="13970" y="96520"/>
+                  </a:cubicBezTo>
+                  <a:cubicBezTo>
+                    <a:pt x="7620" y="93980"/>
+                    <a:pt x="0" y="82550"/>
+                    <a:pt x="1270" y="76200"/>
+                  </a:cubicBezTo>
+                  <a:cubicBezTo>
+                    <a:pt x="2540" y="67310"/>
+                    <a:pt x="8890" y="57150"/>
+                    <a:pt x="26670" y="49530"/>
+                  </a:cubicBezTo>
+                  <a:cubicBezTo>
+                    <a:pt x="135890" y="2540"/>
+                    <a:pt x="1216660" y="60960"/>
+                    <a:pt x="1416050" y="48260"/>
+                  </a:cubicBezTo>
+                  <a:cubicBezTo>
+                    <a:pt x="1471930" y="44450"/>
+                    <a:pt x="1473200" y="38100"/>
+                    <a:pt x="1521460" y="34290"/>
+                  </a:cubicBezTo>
+                  <a:cubicBezTo>
+                    <a:pt x="1626870" y="26670"/>
+                    <a:pt x="1906270" y="38100"/>
+                    <a:pt x="2028190" y="29210"/>
+                  </a:cubicBezTo>
+                  <a:cubicBezTo>
+                    <a:pt x="2098040" y="24130"/>
+                    <a:pt x="2162810" y="0"/>
+                    <a:pt x="2193290" y="5080"/>
+                  </a:cubicBezTo>
+                  <a:cubicBezTo>
+                    <a:pt x="2205990" y="7620"/>
+                    <a:pt x="2216150" y="11430"/>
+                    <a:pt x="2218690" y="19050"/>
+                  </a:cubicBezTo>
+                  <a:cubicBezTo>
+                    <a:pt x="2221230" y="27940"/>
+                    <a:pt x="2203450" y="54610"/>
+                    <a:pt x="2203450" y="54610"/>
+                  </a:cubicBezTo>
+                </a:path>
+              </a:pathLst>
+            </a:custGeom>
+            <a:solidFill>
+              <a:srgbClr val="C19784"/>
+            </a:solidFill>
+            <a:ln cap="sq">
+              <a:noFill/>
+              <a:prstDash val="solid"/>
+              <a:miter/>
+            </a:ln>
+          </p:spPr>
+        </p:sp>
+      </p:grpSp>
     </p:spTree>
   </p:cSld>
   <p:clrMapOvr>
     <a:masterClrMapping/>
   </p:clrMapOvr>
+  <p:transition spd="fast">
+    <p:fade/>
+  </p:transition>
 </p:sld>
 </file>
 
@@ -7875,8 +7940,8 @@
         </p:nvSpPr>
         <p:spPr>
           <a:xfrm rot="0">
-            <a:off x="2973635" y="3774441"/>
-            <a:ext cx="12621411" cy="1369059"/>
+            <a:off x="2833295" y="3334281"/>
+            <a:ext cx="12621411" cy="1544955"/>
           </a:xfrm>
           <a:prstGeom prst="rect">
             <a:avLst/>
@@ -7890,17 +7955,17 @@
           <a:p>
             <a:pPr algn="ctr">
               <a:lnSpc>
-                <a:spcPts val="11120"/>
+                <a:spcPts val="12509"/>
               </a:lnSpc>
             </a:pPr>
             <a:r>
-              <a:rPr lang="en-US" sz="8000" spc="192">
+              <a:rPr lang="en-US" sz="8999" spc="1466">
                 <a:solidFill>
                   <a:srgbClr val="543324"/>
                 </a:solidFill>
-                <a:latin typeface="Halimum"/>
+                <a:latin typeface="Nickainley"/>
               </a:rPr>
-              <a:t>Pitanja ?</a:t>
+              <a:t>Pitanja?</a:t>
             </a:r>
           </a:p>
         </p:txBody>
@@ -8329,7 +8394,7 @@
         </p:nvSpPr>
         <p:spPr>
           <a:xfrm rot="0">
-            <a:off x="2973635" y="5732261"/>
+            <a:off x="2973635" y="5448740"/>
             <a:ext cx="12621411" cy="901699"/>
           </a:xfrm>
           <a:prstGeom prst="rect">
@@ -8367,7 +8432,7 @@
         </p:nvSpPr>
         <p:spPr>
           <a:xfrm rot="0">
-            <a:off x="5457215" y="6850254"/>
+            <a:off x="5457215" y="6566733"/>
             <a:ext cx="7373571" cy="424815"/>
           </a:xfrm>
           <a:prstGeom prst="rect">
@@ -8403,6 +8468,9 @@
   <p:clrMapOvr>
     <a:masterClrMapping/>
   </p:clrMapOvr>
+  <p:transition spd="fast">
+    <p:fade/>
+  </p:transition>
 </p:sld>
 </file>
 
@@ -9595,6 +9663,9 @@
   <p:clrMapOvr>
     <a:masterClrMapping/>
   </p:clrMapOvr>
+  <p:transition spd="fast">
+    <p:fade/>
+  </p:transition>
 </p:sld>
 </file>
 
@@ -10448,8 +10519,8 @@
         </p:nvSpPr>
         <p:spPr>
           <a:xfrm rot="0">
-            <a:off x="2916473" y="4890294"/>
-            <a:ext cx="12336584" cy="2356485"/>
+            <a:off x="0" y="4890294"/>
+            <a:ext cx="18288000" cy="2356485"/>
           </a:xfrm>
           <a:prstGeom prst="rect">
             <a:avLst/>
@@ -10473,7 +10544,7 @@
                 </a:solidFill>
                 <a:latin typeface="Poppins Bold"/>
               </a:rPr>
-              <a:t>ALGORITMI</a:t>
+              <a:t>ALGORITMI PRETRAGE</a:t>
             </a:r>
           </a:p>
           <a:p>
@@ -10489,7 +10560,7 @@
                 </a:solidFill>
                 <a:latin typeface="Poppins Bold"/>
               </a:rPr>
-              <a:t>PRETRAGE</a:t>
+              <a:t>(DFS, BFS, A*)</a:t>
             </a:r>
           </a:p>
         </p:txBody>
@@ -10499,6 +10570,9 @@
   <p:clrMapOvr>
     <a:masterClrMapping/>
   </p:clrMapOvr>
+  <p:transition spd="fast">
+    <p:fade/>
+  </p:transition>
 </p:sld>
 </file>
 
@@ -11025,6 +11099,328 @@
           </a:bodyPr>
           <a:lstStyle/>
           <a:p>
+            <a:pPr marL="425521" indent="-212761" lvl="1">
+              <a:lnSpc>
+                <a:spcPts val="2759"/>
+              </a:lnSpc>
+              <a:buFont typeface="Arial"/>
+              <a:buChar char="•"/>
+            </a:pPr>
+            <a:r>
+              <a:rPr lang="en-US" sz="1970">
+                <a:solidFill>
+                  <a:srgbClr val="243440"/>
+                </a:solidFill>
+                <a:latin typeface="Poppins Bold"/>
+              </a:rPr>
+              <a:t>neinformiran</a:t>
+            </a:r>
+          </a:p>
+          <a:p>
+            <a:pPr marL="425521" indent="-212761" lvl="1">
+              <a:lnSpc>
+                <a:spcPts val="2759"/>
+              </a:lnSpc>
+              <a:buFont typeface="Arial"/>
+              <a:buChar char="•"/>
+            </a:pPr>
+            <a:r>
+              <a:rPr lang="en-US" sz="1970">
+                <a:solidFill>
+                  <a:srgbClr val="243440"/>
+                </a:solidFill>
+                <a:latin typeface="Poppins"/>
+              </a:rPr>
+              <a:t>odabire jednu opciju i do kraja je istražuje</a:t>
+            </a:r>
+          </a:p>
+          <a:p>
+            <a:pPr marL="425521" indent="-212761" lvl="1">
+              <a:lnSpc>
+                <a:spcPts val="2759"/>
+              </a:lnSpc>
+              <a:buFont typeface="Arial"/>
+              <a:buChar char="•"/>
+            </a:pPr>
+            <a:r>
+              <a:rPr lang="en-US" sz="1970">
+                <a:solidFill>
+                  <a:srgbClr val="243440"/>
+                </a:solidFill>
+                <a:latin typeface="Poppins"/>
+              </a:rPr>
+              <a:t>dobar za istraživanje svih puteva</a:t>
+            </a:r>
+          </a:p>
+        </p:txBody>
+      </p:sp>
+      <p:sp>
+        <p:nvSpPr>
+          <p:cNvPr name="TextBox 13" id="13"/>
+          <p:cNvSpPr txBox="true"/>
+          <p:nvPr/>
+        </p:nvSpPr>
+        <p:spPr>
+          <a:xfrm rot="0">
+            <a:off x="2739318" y="5948347"/>
+            <a:ext cx="3646007" cy="457835"/>
+          </a:xfrm>
+          <a:prstGeom prst="rect">
+            <a:avLst/>
+          </a:prstGeom>
+        </p:spPr>
+        <p:txBody>
+          <a:bodyPr anchor="t" rtlCol="false" tIns="0" lIns="0" bIns="0" rIns="0">
+            <a:spAutoFit/>
+          </a:bodyPr>
+          <a:lstStyle/>
+          <a:p>
+            <a:pPr algn="ctr" marL="0" indent="0" lvl="0">
+              <a:lnSpc>
+                <a:spcPts val="3639"/>
+              </a:lnSpc>
+            </a:pPr>
+            <a:r>
+              <a:rPr lang="en-US" sz="2599">
+                <a:solidFill>
+                  <a:srgbClr val="243440"/>
+                </a:solidFill>
+                <a:latin typeface="Poppins Bold"/>
+              </a:rPr>
+              <a:t>DEPTH-FIRST SEARCH</a:t>
+            </a:r>
+          </a:p>
+        </p:txBody>
+      </p:sp>
+      <p:sp>
+        <p:nvSpPr>
+          <p:cNvPr name="TextBox 14" id="14"/>
+          <p:cNvSpPr txBox="true"/>
+          <p:nvPr/>
+        </p:nvSpPr>
+        <p:spPr>
+          <a:xfrm rot="0">
+            <a:off x="7804111" y="4792226"/>
+            <a:ext cx="2502352" cy="979532"/>
+          </a:xfrm>
+          <a:prstGeom prst="rect">
+            <a:avLst/>
+          </a:prstGeom>
+        </p:spPr>
+        <p:txBody>
+          <a:bodyPr anchor="t" rtlCol="false" tIns="0" lIns="0" bIns="0" rIns="0">
+            <a:spAutoFit/>
+          </a:bodyPr>
+          <a:lstStyle/>
+          <a:p>
+            <a:pPr algn="ctr">
+              <a:lnSpc>
+                <a:spcPts val="7960"/>
+              </a:lnSpc>
+            </a:pPr>
+            <a:r>
+              <a:rPr lang="en-US" sz="5685" spc="341">
+                <a:solidFill>
+                  <a:srgbClr val="243440"/>
+                </a:solidFill>
+                <a:latin typeface="JetBrains Mono"/>
+              </a:rPr>
+              <a:t>BFS</a:t>
+            </a:r>
+          </a:p>
+        </p:txBody>
+      </p:sp>
+      <p:sp>
+        <p:nvSpPr>
+          <p:cNvPr name="TextBox 15" id="15"/>
+          <p:cNvSpPr txBox="true"/>
+          <p:nvPr/>
+        </p:nvSpPr>
+        <p:spPr>
+          <a:xfrm rot="0">
+            <a:off x="7232284" y="6487034"/>
+            <a:ext cx="3646007" cy="2064489"/>
+          </a:xfrm>
+          <a:prstGeom prst="rect">
+            <a:avLst/>
+          </a:prstGeom>
+        </p:spPr>
+        <p:txBody>
+          <a:bodyPr anchor="t" rtlCol="false" tIns="0" lIns="0" bIns="0" rIns="0">
+            <a:spAutoFit/>
+          </a:bodyPr>
+          <a:lstStyle/>
+          <a:p>
+            <a:pPr marL="425521" indent="-212761" lvl="1">
+              <a:lnSpc>
+                <a:spcPts val="2759"/>
+              </a:lnSpc>
+              <a:buFont typeface="Arial"/>
+              <a:buChar char="•"/>
+            </a:pPr>
+            <a:r>
+              <a:rPr lang="en-US" sz="1970">
+                <a:solidFill>
+                  <a:srgbClr val="243440"/>
+                </a:solidFill>
+                <a:latin typeface="Poppins"/>
+              </a:rPr>
+              <a:t>breadth = width</a:t>
+            </a:r>
+          </a:p>
+          <a:p>
+            <a:pPr marL="425521" indent="-212761" lvl="1">
+              <a:lnSpc>
+                <a:spcPts val="2759"/>
+              </a:lnSpc>
+              <a:buFont typeface="Arial"/>
+              <a:buChar char="•"/>
+            </a:pPr>
+            <a:r>
+              <a:rPr lang="en-US" sz="1970">
+                <a:solidFill>
+                  <a:srgbClr val="243440"/>
+                </a:solidFill>
+                <a:latin typeface="Poppins Bold"/>
+              </a:rPr>
+              <a:t>neinformiran</a:t>
+            </a:r>
+          </a:p>
+          <a:p>
+            <a:pPr marL="425521" indent="-212761" lvl="1">
+              <a:lnSpc>
+                <a:spcPts val="2759"/>
+              </a:lnSpc>
+              <a:buFont typeface="Arial"/>
+              <a:buChar char="•"/>
+            </a:pPr>
+            <a:r>
+              <a:rPr lang="en-US" sz="1970">
+                <a:solidFill>
+                  <a:srgbClr val="243440"/>
+                </a:solidFill>
+                <a:latin typeface="Poppins"/>
+              </a:rPr>
+              <a:t>istovremeno istražuje sve opcije</a:t>
+            </a:r>
+          </a:p>
+          <a:p>
+            <a:pPr marL="425521" indent="-212761" lvl="1">
+              <a:lnSpc>
+                <a:spcPts val="2759"/>
+              </a:lnSpc>
+              <a:buFont typeface="Arial"/>
+              <a:buChar char="•"/>
+            </a:pPr>
+            <a:r>
+              <a:rPr lang="en-US" sz="1970">
+                <a:solidFill>
+                  <a:srgbClr val="243440"/>
+                </a:solidFill>
+                <a:latin typeface="Poppins"/>
+              </a:rPr>
+              <a:t>dobar za pronalazak najkraćeg puta</a:t>
+            </a:r>
+          </a:p>
+        </p:txBody>
+      </p:sp>
+      <p:sp>
+        <p:nvSpPr>
+          <p:cNvPr name="TextBox 16" id="16"/>
+          <p:cNvSpPr txBox="true"/>
+          <p:nvPr/>
+        </p:nvSpPr>
+        <p:spPr>
+          <a:xfrm rot="0">
+            <a:off x="7078835" y="5948347"/>
+            <a:ext cx="4130330" cy="457835"/>
+          </a:xfrm>
+          <a:prstGeom prst="rect">
+            <a:avLst/>
+          </a:prstGeom>
+        </p:spPr>
+        <p:txBody>
+          <a:bodyPr anchor="t" rtlCol="false" tIns="0" lIns="0" bIns="0" rIns="0">
+            <a:spAutoFit/>
+          </a:bodyPr>
+          <a:lstStyle/>
+          <a:p>
+            <a:pPr algn="ctr" marL="0" indent="0" lvl="0">
+              <a:lnSpc>
+                <a:spcPts val="3639"/>
+              </a:lnSpc>
+            </a:pPr>
+            <a:r>
+              <a:rPr lang="en-US" sz="2599">
+                <a:solidFill>
+                  <a:srgbClr val="243440"/>
+                </a:solidFill>
+                <a:latin typeface="Poppins Bold"/>
+              </a:rPr>
+              <a:t>BREADTH-FIRST SEARCH</a:t>
+            </a:r>
+          </a:p>
+        </p:txBody>
+      </p:sp>
+      <p:sp>
+        <p:nvSpPr>
+          <p:cNvPr name="TextBox 17" id="17"/>
+          <p:cNvSpPr txBox="true"/>
+          <p:nvPr/>
+        </p:nvSpPr>
+        <p:spPr>
+          <a:xfrm rot="0">
+            <a:off x="12297843" y="4792226"/>
+            <a:ext cx="2502352" cy="979532"/>
+          </a:xfrm>
+          <a:prstGeom prst="rect">
+            <a:avLst/>
+          </a:prstGeom>
+        </p:spPr>
+        <p:txBody>
+          <a:bodyPr anchor="t" rtlCol="false" tIns="0" lIns="0" bIns="0" rIns="0">
+            <a:spAutoFit/>
+          </a:bodyPr>
+          <a:lstStyle/>
+          <a:p>
+            <a:pPr algn="ctr">
+              <a:lnSpc>
+                <a:spcPts val="7960"/>
+              </a:lnSpc>
+            </a:pPr>
+            <a:r>
+              <a:rPr lang="en-US" sz="5685" spc="341">
+                <a:solidFill>
+                  <a:srgbClr val="243440"/>
+                </a:solidFill>
+                <a:latin typeface="JetBrains Mono"/>
+              </a:rPr>
+              <a:t>A*</a:t>
+            </a:r>
+          </a:p>
+        </p:txBody>
+      </p:sp>
+      <p:sp>
+        <p:nvSpPr>
+          <p:cNvPr name="TextBox 18" id="18"/>
+          <p:cNvSpPr txBox="true"/>
+          <p:nvPr/>
+        </p:nvSpPr>
+        <p:spPr>
+          <a:xfrm rot="0">
+            <a:off x="11726016" y="6487034"/>
+            <a:ext cx="3646007" cy="1721589"/>
+          </a:xfrm>
+          <a:prstGeom prst="rect">
+            <a:avLst/>
+          </a:prstGeom>
+        </p:spPr>
+        <p:txBody>
+          <a:bodyPr anchor="t" rtlCol="false" tIns="0" lIns="0" bIns="0" rIns="0">
+            <a:spAutoFit/>
+          </a:bodyPr>
+          <a:lstStyle/>
+          <a:p>
             <a:pPr algn="just" marL="425521" indent="-212761" lvl="1">
               <a:lnSpc>
                 <a:spcPts val="2759"/>
@@ -11039,161 +11435,9 @@
                 </a:solidFill>
                 <a:latin typeface="Poppins Bold"/>
               </a:rPr>
-              <a:t>neinformiran</a:t>
-            </a:r>
-          </a:p>
-          <a:p>
-            <a:pPr algn="just" marL="425521" indent="-212761" lvl="1">
-              <a:lnSpc>
-                <a:spcPts val="2759"/>
-              </a:lnSpc>
-              <a:buFont typeface="Arial"/>
-              <a:buChar char="•"/>
-            </a:pPr>
-            <a:r>
-              <a:rPr lang="en-US" sz="1970">
-                <a:solidFill>
-                  <a:srgbClr val="243440"/>
-                </a:solidFill>
-                <a:latin typeface="Poppins"/>
-              </a:rPr>
-              <a:t>odabire jednu opciju i do kraja je istražuje</a:t>
-            </a:r>
-          </a:p>
-          <a:p>
-            <a:pPr algn="just" marL="425521" indent="-212761" lvl="1">
-              <a:lnSpc>
-                <a:spcPts val="2759"/>
-              </a:lnSpc>
-              <a:buFont typeface="Arial"/>
-              <a:buChar char="•"/>
-            </a:pPr>
-            <a:r>
-              <a:rPr lang="en-US" sz="1970">
-                <a:solidFill>
-                  <a:srgbClr val="243440"/>
-                </a:solidFill>
-                <a:latin typeface="Poppins"/>
-              </a:rPr>
-              <a:t>zatim prelazi na drugu</a:t>
-            </a:r>
-          </a:p>
-          <a:p>
-            <a:pPr algn="just" marL="425521" indent="-212761" lvl="1">
-              <a:lnSpc>
-                <a:spcPts val="2759"/>
-              </a:lnSpc>
-              <a:buFont typeface="Arial"/>
-              <a:buChar char="•"/>
-            </a:pPr>
-            <a:r>
-              <a:rPr lang="en-US" sz="1970">
-                <a:solidFill>
-                  <a:srgbClr val="243440"/>
-                </a:solidFill>
-                <a:latin typeface="Poppins"/>
-              </a:rPr>
-              <a:t>staje kada dođe do cilja</a:t>
-            </a:r>
-          </a:p>
-        </p:txBody>
-      </p:sp>
-      <p:sp>
-        <p:nvSpPr>
-          <p:cNvPr name="TextBox 13" id="13"/>
-          <p:cNvSpPr txBox="true"/>
-          <p:nvPr/>
-        </p:nvSpPr>
-        <p:spPr>
-          <a:xfrm rot="0">
-            <a:off x="2739318" y="5948347"/>
-            <a:ext cx="3646007" cy="457835"/>
-          </a:xfrm>
-          <a:prstGeom prst="rect">
-            <a:avLst/>
-          </a:prstGeom>
-        </p:spPr>
-        <p:txBody>
-          <a:bodyPr anchor="t" rtlCol="false" tIns="0" lIns="0" bIns="0" rIns="0">
-            <a:spAutoFit/>
-          </a:bodyPr>
-          <a:lstStyle/>
-          <a:p>
-            <a:pPr algn="ctr" marL="0" indent="0" lvl="0">
-              <a:lnSpc>
-                <a:spcPts val="3639"/>
-              </a:lnSpc>
-            </a:pPr>
-            <a:r>
-              <a:rPr lang="en-US" sz="2599">
-                <a:solidFill>
-                  <a:srgbClr val="243440"/>
-                </a:solidFill>
-                <a:latin typeface="Poppins Bold"/>
-              </a:rPr>
-              <a:t>DEPTH-FIRST SEARCH</a:t>
-            </a:r>
-          </a:p>
-        </p:txBody>
-      </p:sp>
-      <p:sp>
-        <p:nvSpPr>
-          <p:cNvPr name="TextBox 14" id="14"/>
-          <p:cNvSpPr txBox="true"/>
-          <p:nvPr/>
-        </p:nvSpPr>
-        <p:spPr>
-          <a:xfrm rot="0">
-            <a:off x="7804111" y="4792226"/>
-            <a:ext cx="2502352" cy="979532"/>
-          </a:xfrm>
-          <a:prstGeom prst="rect">
-            <a:avLst/>
-          </a:prstGeom>
-        </p:spPr>
-        <p:txBody>
-          <a:bodyPr anchor="t" rtlCol="false" tIns="0" lIns="0" bIns="0" rIns="0">
-            <a:spAutoFit/>
-          </a:bodyPr>
-          <a:lstStyle/>
-          <a:p>
-            <a:pPr algn="ctr">
-              <a:lnSpc>
-                <a:spcPts val="7960"/>
-              </a:lnSpc>
-            </a:pPr>
-            <a:r>
-              <a:rPr lang="en-US" sz="5685" spc="341">
-                <a:solidFill>
-                  <a:srgbClr val="243440"/>
-                </a:solidFill>
-                <a:latin typeface="JetBrains Mono"/>
-              </a:rPr>
-              <a:t>BFS</a:t>
-            </a:r>
-          </a:p>
-        </p:txBody>
-      </p:sp>
-      <p:sp>
-        <p:nvSpPr>
-          <p:cNvPr name="TextBox 15" id="15"/>
-          <p:cNvSpPr txBox="true"/>
-          <p:nvPr/>
-        </p:nvSpPr>
-        <p:spPr>
-          <a:xfrm rot="0">
-            <a:off x="7232284" y="6487034"/>
-            <a:ext cx="3646007" cy="2064489"/>
-          </a:xfrm>
-          <a:prstGeom prst="rect">
-            <a:avLst/>
-          </a:prstGeom>
-        </p:spPr>
-        <p:txBody>
-          <a:bodyPr anchor="t" rtlCol="false" tIns="0" lIns="0" bIns="0" rIns="0">
-            <a:spAutoFit/>
-          </a:bodyPr>
-          <a:lstStyle/>
+              <a:t>informiran</a:t>
+            </a:r>
+          </a:p>
           <a:p>
             <a:pPr marL="425521" indent="-212761" lvl="1">
               <a:lnSpc>
@@ -11209,7 +11453,7 @@
                 </a:solidFill>
                 <a:latin typeface="Poppins"/>
               </a:rPr>
-              <a:t>breadth = width</a:t>
+              <a:t>kompleksniji odabir</a:t>
             </a:r>
           </a:p>
           <a:p>
@@ -11225,153 +11469,10 @@
                 <a:solidFill>
                   <a:srgbClr val="243440"/>
                 </a:solidFill>
-                <a:latin typeface="Poppins Bold"/>
-              </a:rPr>
-              <a:t>neinformiran</a:t>
-            </a:r>
-          </a:p>
-          <a:p>
-            <a:pPr marL="425521" indent="-212761" lvl="1">
-              <a:lnSpc>
-                <a:spcPts val="2759"/>
-              </a:lnSpc>
-              <a:buFont typeface="Arial"/>
-              <a:buChar char="•"/>
-            </a:pPr>
-            <a:r>
-              <a:rPr lang="en-US" sz="1970">
-                <a:solidFill>
-                  <a:srgbClr val="243440"/>
-                </a:solidFill>
                 <a:latin typeface="Poppins"/>
               </a:rPr>
-              <a:t>istovremeno kreće sa pretragom u svim opcijama</a:t>
-            </a:r>
-          </a:p>
-          <a:p>
-            <a:pPr marL="425521" indent="-212761" lvl="1">
-              <a:lnSpc>
-                <a:spcPts val="2759"/>
-              </a:lnSpc>
-              <a:buFont typeface="Arial"/>
-              <a:buChar char="•"/>
-            </a:pPr>
-            <a:r>
-              <a:rPr lang="en-US" sz="1970">
-                <a:solidFill>
-                  <a:srgbClr val="243440"/>
-                </a:solidFill>
-                <a:latin typeface="Poppins"/>
-              </a:rPr>
-              <a:t>staje kada dođe do cilja</a:t>
-            </a:r>
-          </a:p>
-        </p:txBody>
-      </p:sp>
-      <p:sp>
-        <p:nvSpPr>
-          <p:cNvPr name="TextBox 16" id="16"/>
-          <p:cNvSpPr txBox="true"/>
-          <p:nvPr/>
-        </p:nvSpPr>
-        <p:spPr>
-          <a:xfrm rot="0">
-            <a:off x="7078835" y="5948347"/>
-            <a:ext cx="4130330" cy="457835"/>
-          </a:xfrm>
-          <a:prstGeom prst="rect">
-            <a:avLst/>
-          </a:prstGeom>
-        </p:spPr>
-        <p:txBody>
-          <a:bodyPr anchor="t" rtlCol="false" tIns="0" lIns="0" bIns="0" rIns="0">
-            <a:spAutoFit/>
-          </a:bodyPr>
-          <a:lstStyle/>
-          <a:p>
-            <a:pPr algn="ctr" marL="0" indent="0" lvl="0">
-              <a:lnSpc>
-                <a:spcPts val="3639"/>
-              </a:lnSpc>
-            </a:pPr>
-            <a:r>
-              <a:rPr lang="en-US" sz="2599">
-                <a:solidFill>
-                  <a:srgbClr val="243440"/>
-                </a:solidFill>
-                <a:latin typeface="Poppins Bold"/>
-              </a:rPr>
-              <a:t>BREADTH-FIRST SEARCH</a:t>
-            </a:r>
-          </a:p>
-        </p:txBody>
-      </p:sp>
-      <p:sp>
-        <p:nvSpPr>
-          <p:cNvPr name="TextBox 17" id="17"/>
-          <p:cNvSpPr txBox="true"/>
-          <p:nvPr/>
-        </p:nvSpPr>
-        <p:spPr>
-          <a:xfrm rot="0">
-            <a:off x="12297843" y="4792226"/>
-            <a:ext cx="2502352" cy="979532"/>
-          </a:xfrm>
-          <a:prstGeom prst="rect">
-            <a:avLst/>
-          </a:prstGeom>
-        </p:spPr>
-        <p:txBody>
-          <a:bodyPr anchor="t" rtlCol="false" tIns="0" lIns="0" bIns="0" rIns="0">
-            <a:spAutoFit/>
-          </a:bodyPr>
-          <a:lstStyle/>
-          <a:p>
-            <a:pPr algn="ctr">
-              <a:lnSpc>
-                <a:spcPts val="7960"/>
-              </a:lnSpc>
-            </a:pPr>
-            <a:r>
-              <a:rPr lang="en-US" sz="5685" spc="341">
-                <a:solidFill>
-                  <a:srgbClr val="243440"/>
-                </a:solidFill>
-                <a:latin typeface="JetBrains Mono"/>
-              </a:rPr>
-              <a:t>A*</a:t>
-            </a:r>
-          </a:p>
-        </p:txBody>
-      </p:sp>
-      <p:sp>
-        <p:nvSpPr>
-          <p:cNvPr name="TextBox 18" id="18"/>
-          <p:cNvSpPr txBox="true"/>
-          <p:nvPr/>
-        </p:nvSpPr>
-        <p:spPr>
-          <a:xfrm rot="0">
-            <a:off x="11726016" y="6487034"/>
-            <a:ext cx="3646007" cy="1721589"/>
-          </a:xfrm>
-          <a:prstGeom prst="rect">
-            <a:avLst/>
-          </a:prstGeom>
-        </p:spPr>
-        <p:txBody>
-          <a:bodyPr anchor="t" rtlCol="false" tIns="0" lIns="0" bIns="0" rIns="0">
-            <a:spAutoFit/>
-          </a:bodyPr>
-          <a:lstStyle/>
-          <a:p>
-            <a:pPr algn="just" marL="425521" indent="-212761" lvl="1">
-              <a:lnSpc>
-                <a:spcPts val="2759"/>
-              </a:lnSpc>
-              <a:buFont typeface="Arial"/>
-              <a:buChar char="•"/>
-            </a:pPr>
+              <a:t>dobar za pronalazak najkraćeg puta </a:t>
+            </a:r>
             <a:r>
               <a:rPr lang="en-US" sz="1970">
                 <a:solidFill>
@@ -11379,43 +11480,7 @@
                 </a:solidFill>
                 <a:latin typeface="Poppins Bold"/>
               </a:rPr>
-              <a:t>informiran</a:t>
-            </a:r>
-          </a:p>
-          <a:p>
-            <a:pPr marL="425521" indent="-212761" lvl="1">
-              <a:lnSpc>
-                <a:spcPts val="2759"/>
-              </a:lnSpc>
-              <a:buFont typeface="Arial"/>
-              <a:buChar char="•"/>
-            </a:pPr>
-            <a:r>
-              <a:rPr lang="en-US" sz="1970">
-                <a:solidFill>
-                  <a:srgbClr val="243440"/>
-                </a:solidFill>
-                <a:latin typeface="Poppins"/>
-              </a:rPr>
-              <a:t>kompleksniji odabir</a:t>
-            </a:r>
-          </a:p>
-          <a:p>
-            <a:pPr marL="425521" indent="-212761" lvl="1">
-              <a:lnSpc>
-                <a:spcPts val="2759"/>
-              </a:lnSpc>
-              <a:buFont typeface="Arial"/>
-              <a:buChar char="•"/>
-            </a:pPr>
-            <a:r>
-              <a:rPr lang="en-US" sz="1970">
-                <a:solidFill>
-                  <a:srgbClr val="243440"/>
-                </a:solidFill>
-                <a:latin typeface="Poppins"/>
-              </a:rPr>
-              <a:t>ako su dvije opcije dostupne, uzima onu koja se nalazi bliže</a:t>
+              <a:t>kada znamo koordinate cilja</a:t>
             </a:r>
           </a:p>
         </p:txBody>
@@ -11596,6 +11661,9 @@
   <p:clrMapOvr>
     <a:masterClrMapping/>
   </p:clrMapOvr>
+  <p:transition spd="fast">
+    <p:fade/>
+  </p:transition>
 </p:sld>
 </file>
 
@@ -12484,6 +12552,9 @@
   <p:clrMapOvr>
     <a:masterClrMapping/>
   </p:clrMapOvr>
+  <p:transition spd="fast">
+    <p:fade/>
+  </p:transition>
 </p:sld>
 </file>
 
@@ -12974,8 +13045,8 @@
         </p:nvSpPr>
         <p:spPr>
           <a:xfrm rot="0">
-            <a:off x="3810714" y="4041968"/>
-            <a:ext cx="10666571" cy="2879725"/>
+            <a:off x="4100821" y="4026287"/>
+            <a:ext cx="11654502" cy="2879725"/>
           </a:xfrm>
           <a:prstGeom prst="rect">
             <a:avLst/>
@@ -12987,7 +13058,7 @@
           </a:bodyPr>
           <a:lstStyle/>
           <a:p>
-            <a:pPr algn="ctr">
+            <a:pPr algn="just">
               <a:lnSpc>
                 <a:spcPts val="5599"/>
               </a:lnSpc>
@@ -13182,6 +13253,9 @@
   <p:clrMapOvr>
     <a:masterClrMapping/>
   </p:clrMapOvr>
+  <p:transition spd="fast">
+    <p:fade/>
+  </p:transition>
 </p:sld>
 </file>
 
@@ -13873,7 +13947,7 @@
                 </a:solidFill>
                 <a:latin typeface="Poppins Bold"/>
               </a:rPr>
-              <a:t>49 kilometara</a:t>
+              <a:t>50 kilometara</a:t>
             </a:r>
             <a:r>
               <a:rPr lang="en-US" sz="2400">
@@ -13973,7 +14047,7 @@
                 </a:solidFill>
                 <a:latin typeface="Poppins"/>
               </a:rPr>
-              <a:t> je bolja opcija.</a:t>
+              <a:t>  je bolja opcija.</a:t>
             </a:r>
           </a:p>
         </p:txBody>
@@ -14259,11 +14333,734 @@
           </p:spPr>
         </p:sp>
       </p:grpSp>
+      <p:grpSp>
+        <p:nvGrpSpPr>
+          <p:cNvPr name="Group 17" id="17"/>
+          <p:cNvGrpSpPr/>
+          <p:nvPr/>
+        </p:nvGrpSpPr>
+        <p:grpSpPr>
+          <a:xfrm rot="0">
+            <a:off x="2869883" y="6404610"/>
+            <a:ext cx="12449175" cy="259080"/>
+            <a:chOff x="0" y="0"/>
+            <a:chExt cx="16598900" cy="345440"/>
+          </a:xfrm>
+        </p:grpSpPr>
+        <p:sp>
+          <p:nvSpPr>
+            <p:cNvPr name="Freeform 18" id="18"/>
+            <p:cNvSpPr/>
+            <p:nvPr/>
+          </p:nvSpPr>
+          <p:spPr>
+            <a:xfrm flipH="false" flipV="false" rot="0">
+              <a:off x="49530" y="48260"/>
+              <a:ext cx="16501111" cy="256540"/>
+            </a:xfrm>
+            <a:custGeom>
+              <a:avLst/>
+              <a:gdLst/>
+              <a:ahLst/>
+              <a:cxnLst/>
+              <a:rect r="r" b="b" t="t" l="l"/>
+              <a:pathLst>
+                <a:path h="256540" w="16501111">
+                  <a:moveTo>
+                    <a:pt x="21590" y="195580"/>
+                  </a:moveTo>
+                  <a:cubicBezTo>
+                    <a:pt x="403860" y="175260"/>
+                    <a:pt x="595630" y="179070"/>
+                    <a:pt x="958850" y="177800"/>
+                  </a:cubicBezTo>
+                  <a:cubicBezTo>
+                    <a:pt x="2061210" y="175260"/>
+                    <a:pt x="6682740" y="187960"/>
+                    <a:pt x="7625081" y="177800"/>
+                  </a:cubicBezTo>
+                  <a:cubicBezTo>
+                    <a:pt x="7879081" y="175260"/>
+                    <a:pt x="7918450" y="175260"/>
+                    <a:pt x="8107681" y="167640"/>
+                  </a:cubicBezTo>
+                  <a:cubicBezTo>
+                    <a:pt x="8380731" y="157480"/>
+                    <a:pt x="8743950" y="127000"/>
+                    <a:pt x="9104631" y="113030"/>
+                  </a:cubicBezTo>
+                  <a:cubicBezTo>
+                    <a:pt x="9532620" y="96520"/>
+                    <a:pt x="9906000" y="90170"/>
+                    <a:pt x="10510520" y="81280"/>
+                  </a:cubicBezTo>
+                  <a:cubicBezTo>
+                    <a:pt x="11606531" y="66040"/>
+                    <a:pt x="14442441" y="71120"/>
+                    <a:pt x="15137131" y="54610"/>
+                  </a:cubicBezTo>
+                  <a:cubicBezTo>
+                    <a:pt x="15339061" y="49530"/>
+                    <a:pt x="15379700" y="41910"/>
+                    <a:pt x="15528290" y="38100"/>
+                  </a:cubicBezTo>
+                  <a:cubicBezTo>
+                    <a:pt x="15723870" y="34290"/>
+                    <a:pt x="16047720" y="50800"/>
+                    <a:pt x="16206470" y="36830"/>
+                  </a:cubicBezTo>
+                  <a:cubicBezTo>
+                    <a:pt x="16294100" y="29210"/>
+                    <a:pt x="16355061" y="3810"/>
+                    <a:pt x="16408400" y="2540"/>
+                  </a:cubicBezTo>
+                  <a:cubicBezTo>
+                    <a:pt x="16442690" y="1270"/>
+                    <a:pt x="16484600" y="0"/>
+                    <a:pt x="16494761" y="12700"/>
+                  </a:cubicBezTo>
+                  <a:cubicBezTo>
+                    <a:pt x="16501111" y="20320"/>
+                    <a:pt x="16498570" y="38100"/>
+                    <a:pt x="16493490" y="44450"/>
+                  </a:cubicBezTo>
+                  <a:cubicBezTo>
+                    <a:pt x="16489681" y="50800"/>
+                    <a:pt x="16478250" y="54610"/>
+                    <a:pt x="16470631" y="53340"/>
+                  </a:cubicBezTo>
+                  <a:cubicBezTo>
+                    <a:pt x="16463011" y="52070"/>
+                    <a:pt x="16450311" y="39370"/>
+                    <a:pt x="16447770" y="31750"/>
+                  </a:cubicBezTo>
+                  <a:cubicBezTo>
+                    <a:pt x="16446500" y="24130"/>
+                    <a:pt x="16450311" y="13970"/>
+                    <a:pt x="16455390" y="8890"/>
+                  </a:cubicBezTo>
+                  <a:cubicBezTo>
+                    <a:pt x="16461740" y="3810"/>
+                    <a:pt x="16478250" y="1270"/>
+                    <a:pt x="16485870" y="5080"/>
+                  </a:cubicBezTo>
+                  <a:cubicBezTo>
+                    <a:pt x="16492220" y="7620"/>
+                    <a:pt x="16498570" y="17780"/>
+                    <a:pt x="16498570" y="25400"/>
+                  </a:cubicBezTo>
+                  <a:cubicBezTo>
+                    <a:pt x="16498570" y="34290"/>
+                    <a:pt x="16493490" y="45720"/>
+                    <a:pt x="16482061" y="52070"/>
+                  </a:cubicBezTo>
+                  <a:cubicBezTo>
+                    <a:pt x="16459200" y="66040"/>
+                    <a:pt x="16388081" y="53340"/>
+                    <a:pt x="16342361" y="59690"/>
+                  </a:cubicBezTo>
+                  <a:cubicBezTo>
+                    <a:pt x="16296640" y="66040"/>
+                    <a:pt x="16280131" y="80010"/>
+                    <a:pt x="16206470" y="87630"/>
+                  </a:cubicBezTo>
+                  <a:cubicBezTo>
+                    <a:pt x="15910561" y="119380"/>
+                    <a:pt x="14418311" y="96520"/>
+                    <a:pt x="13944600" y="106680"/>
+                  </a:cubicBezTo>
+                  <a:cubicBezTo>
+                    <a:pt x="13727431" y="111760"/>
+                    <a:pt x="13696950" y="119380"/>
+                    <a:pt x="13470890" y="123190"/>
+                  </a:cubicBezTo>
+                  <a:cubicBezTo>
+                    <a:pt x="12907010" y="133350"/>
+                    <a:pt x="11316970" y="121920"/>
+                    <a:pt x="10511790" y="132080"/>
+                  </a:cubicBezTo>
+                  <a:cubicBezTo>
+                    <a:pt x="9956800" y="139700"/>
+                    <a:pt x="9535160" y="147320"/>
+                    <a:pt x="9107170" y="163830"/>
+                  </a:cubicBezTo>
+                  <a:cubicBezTo>
+                    <a:pt x="8746490" y="177800"/>
+                    <a:pt x="8382000" y="208280"/>
+                    <a:pt x="8108950" y="218440"/>
+                  </a:cubicBezTo>
+                  <a:cubicBezTo>
+                    <a:pt x="7918450" y="226060"/>
+                    <a:pt x="7879080" y="226060"/>
+                    <a:pt x="7625080" y="228600"/>
+                  </a:cubicBezTo>
+                  <a:cubicBezTo>
+                    <a:pt x="6681470" y="238760"/>
+                    <a:pt x="2059940" y="226060"/>
+                    <a:pt x="958850" y="228600"/>
+                  </a:cubicBezTo>
+                  <a:cubicBezTo>
+                    <a:pt x="595630" y="229870"/>
+                    <a:pt x="403860" y="226060"/>
+                    <a:pt x="234950" y="232410"/>
+                  </a:cubicBezTo>
+                  <a:cubicBezTo>
+                    <a:pt x="143510" y="236220"/>
+                    <a:pt x="58420" y="256540"/>
+                    <a:pt x="24130" y="246380"/>
+                  </a:cubicBezTo>
+                  <a:cubicBezTo>
+                    <a:pt x="11430" y="242570"/>
+                    <a:pt x="2540" y="236220"/>
+                    <a:pt x="1270" y="228600"/>
+                  </a:cubicBezTo>
+                  <a:cubicBezTo>
+                    <a:pt x="0" y="219710"/>
+                    <a:pt x="21590" y="195580"/>
+                    <a:pt x="21590" y="195580"/>
+                  </a:cubicBezTo>
+                </a:path>
+              </a:pathLst>
+            </a:custGeom>
+            <a:solidFill>
+              <a:srgbClr val="E4DCD0"/>
+            </a:solidFill>
+            <a:ln cap="sq">
+              <a:noFill/>
+              <a:prstDash val="solid"/>
+              <a:miter/>
+            </a:ln>
+          </p:spPr>
+        </p:sp>
+      </p:grpSp>
+      <p:grpSp>
+        <p:nvGrpSpPr>
+          <p:cNvPr name="Group 19" id="19"/>
+          <p:cNvGrpSpPr/>
+          <p:nvPr/>
+        </p:nvGrpSpPr>
+        <p:grpSpPr>
+          <a:xfrm rot="0">
+            <a:off x="2963228" y="7593330"/>
+            <a:ext cx="12342495" cy="375285"/>
+            <a:chOff x="0" y="0"/>
+            <a:chExt cx="16456660" cy="500380"/>
+          </a:xfrm>
+        </p:grpSpPr>
+        <p:sp>
+          <p:nvSpPr>
+            <p:cNvPr name="Freeform 20" id="20"/>
+            <p:cNvSpPr/>
+            <p:nvPr/>
+          </p:nvSpPr>
+          <p:spPr>
+            <a:xfrm flipH="false" flipV="false" rot="0">
+              <a:off x="48260" y="46990"/>
+              <a:ext cx="16358871" cy="410210"/>
+            </a:xfrm>
+            <a:custGeom>
+              <a:avLst/>
+              <a:gdLst/>
+              <a:ahLst/>
+              <a:cxnLst/>
+              <a:rect r="r" b="b" t="t" l="l"/>
+              <a:pathLst>
+                <a:path h="410210" w="16358871">
+                  <a:moveTo>
+                    <a:pt x="31750" y="229870"/>
+                  </a:moveTo>
+                  <a:cubicBezTo>
+                    <a:pt x="311150" y="281940"/>
+                    <a:pt x="410210" y="288290"/>
+                    <a:pt x="552450" y="295910"/>
+                  </a:cubicBezTo>
+                  <a:cubicBezTo>
+                    <a:pt x="800100" y="309880"/>
+                    <a:pt x="1045210" y="318770"/>
+                    <a:pt x="1568450" y="327660"/>
+                  </a:cubicBezTo>
+                  <a:cubicBezTo>
+                    <a:pt x="3351530" y="355600"/>
+                    <a:pt x="11856720" y="316230"/>
+                    <a:pt x="13355320" y="335280"/>
+                  </a:cubicBezTo>
+                  <a:cubicBezTo>
+                    <a:pt x="13708379" y="340360"/>
+                    <a:pt x="13797279" y="360680"/>
+                    <a:pt x="14009370" y="351790"/>
+                  </a:cubicBezTo>
+                  <a:cubicBezTo>
+                    <a:pt x="14210029" y="344170"/>
+                    <a:pt x="14396720" y="317500"/>
+                    <a:pt x="14596110" y="290830"/>
+                  </a:cubicBezTo>
+                  <a:cubicBezTo>
+                    <a:pt x="14804390" y="262890"/>
+                    <a:pt x="15071090" y="208280"/>
+                    <a:pt x="15231110" y="186690"/>
+                  </a:cubicBezTo>
+                  <a:cubicBezTo>
+                    <a:pt x="15328899" y="173990"/>
+                    <a:pt x="15378429" y="177800"/>
+                    <a:pt x="15467329" y="162560"/>
+                  </a:cubicBezTo>
+                  <a:cubicBezTo>
+                    <a:pt x="15585440" y="143510"/>
+                    <a:pt x="15737840" y="95250"/>
+                    <a:pt x="15873729" y="68580"/>
+                  </a:cubicBezTo>
+                  <a:cubicBezTo>
+                    <a:pt x="16009620" y="41910"/>
+                    <a:pt x="16203929" y="5080"/>
+                    <a:pt x="16283940" y="3810"/>
+                  </a:cubicBezTo>
+                  <a:cubicBezTo>
+                    <a:pt x="16315690" y="2540"/>
+                    <a:pt x="16343629" y="1270"/>
+                    <a:pt x="16352520" y="11430"/>
+                  </a:cubicBezTo>
+                  <a:cubicBezTo>
+                    <a:pt x="16358870" y="17780"/>
+                    <a:pt x="16357599" y="35560"/>
+                    <a:pt x="16352520" y="41910"/>
+                  </a:cubicBezTo>
+                  <a:cubicBezTo>
+                    <a:pt x="16347440" y="48260"/>
+                    <a:pt x="16330929" y="53340"/>
+                    <a:pt x="16323310" y="50800"/>
+                  </a:cubicBezTo>
+                  <a:cubicBezTo>
+                    <a:pt x="16315690" y="48260"/>
+                    <a:pt x="16306799" y="31750"/>
+                    <a:pt x="16306799" y="24130"/>
+                  </a:cubicBezTo>
+                  <a:cubicBezTo>
+                    <a:pt x="16306799" y="16510"/>
+                    <a:pt x="16314420" y="7620"/>
+                    <a:pt x="16320770" y="3810"/>
+                  </a:cubicBezTo>
+                  <a:cubicBezTo>
+                    <a:pt x="16327120" y="0"/>
+                    <a:pt x="16337279" y="0"/>
+                    <a:pt x="16343629" y="3810"/>
+                  </a:cubicBezTo>
+                  <a:cubicBezTo>
+                    <a:pt x="16349979" y="7620"/>
+                    <a:pt x="16357599" y="16510"/>
+                    <a:pt x="16357599" y="24130"/>
+                  </a:cubicBezTo>
+                  <a:cubicBezTo>
+                    <a:pt x="16357599" y="31750"/>
+                    <a:pt x="16355060" y="43180"/>
+                    <a:pt x="16342360" y="50800"/>
+                  </a:cubicBezTo>
+                  <a:cubicBezTo>
+                    <a:pt x="16295370" y="82550"/>
+                    <a:pt x="16033749" y="90170"/>
+                    <a:pt x="15885160" y="118110"/>
+                  </a:cubicBezTo>
+                  <a:cubicBezTo>
+                    <a:pt x="15742920" y="144780"/>
+                    <a:pt x="15589249" y="194310"/>
+                    <a:pt x="15471140" y="213360"/>
+                  </a:cubicBezTo>
+                  <a:cubicBezTo>
+                    <a:pt x="15383510" y="227330"/>
+                    <a:pt x="15336520" y="223520"/>
+                    <a:pt x="15239999" y="236220"/>
+                  </a:cubicBezTo>
+                  <a:cubicBezTo>
+                    <a:pt x="15079979" y="257810"/>
+                    <a:pt x="14809470" y="313690"/>
+                    <a:pt x="14599920" y="341630"/>
+                  </a:cubicBezTo>
+                  <a:cubicBezTo>
+                    <a:pt x="14399260" y="368300"/>
+                    <a:pt x="14211299" y="394970"/>
+                    <a:pt x="14009370" y="402590"/>
+                  </a:cubicBezTo>
+                  <a:cubicBezTo>
+                    <a:pt x="13797279" y="410210"/>
+                    <a:pt x="13708379" y="391160"/>
+                    <a:pt x="13355320" y="386080"/>
+                  </a:cubicBezTo>
+                  <a:cubicBezTo>
+                    <a:pt x="11856720" y="367030"/>
+                    <a:pt x="2942589" y="389890"/>
+                    <a:pt x="1567180" y="378460"/>
+                  </a:cubicBezTo>
+                  <a:cubicBezTo>
+                    <a:pt x="1275080" y="375920"/>
+                    <a:pt x="1233170" y="377190"/>
+                    <a:pt x="1036320" y="369570"/>
+                  </a:cubicBezTo>
+                  <a:cubicBezTo>
+                    <a:pt x="789940" y="359410"/>
+                    <a:pt x="386080" y="344170"/>
+                    <a:pt x="207009" y="318770"/>
+                  </a:cubicBezTo>
+                  <a:cubicBezTo>
+                    <a:pt x="119380" y="306070"/>
+                    <a:pt x="39370" y="298450"/>
+                    <a:pt x="13970" y="276860"/>
+                  </a:cubicBezTo>
+                  <a:cubicBezTo>
+                    <a:pt x="3810" y="267970"/>
+                    <a:pt x="0" y="252730"/>
+                    <a:pt x="2540" y="245110"/>
+                  </a:cubicBezTo>
+                  <a:cubicBezTo>
+                    <a:pt x="5080" y="237490"/>
+                    <a:pt x="31750" y="229870"/>
+                    <a:pt x="31750" y="229870"/>
+                  </a:cubicBezTo>
+                </a:path>
+              </a:pathLst>
+            </a:custGeom>
+            <a:solidFill>
+              <a:srgbClr val="E4DCD0"/>
+            </a:solidFill>
+            <a:ln cap="sq">
+              <a:noFill/>
+              <a:prstDash val="solid"/>
+              <a:miter/>
+            </a:ln>
+          </p:spPr>
+        </p:sp>
+      </p:grpSp>
+      <p:grpSp>
+        <p:nvGrpSpPr>
+          <p:cNvPr name="Group 21" id="21"/>
+          <p:cNvGrpSpPr/>
+          <p:nvPr/>
+        </p:nvGrpSpPr>
+        <p:grpSpPr>
+          <a:xfrm rot="0">
+            <a:off x="2881312" y="7899082"/>
+            <a:ext cx="1775460" cy="714375"/>
+            <a:chOff x="0" y="0"/>
+            <a:chExt cx="2367280" cy="952500"/>
+          </a:xfrm>
+        </p:grpSpPr>
+        <p:sp>
+          <p:nvSpPr>
+            <p:cNvPr name="Freeform 22" id="22"/>
+            <p:cNvSpPr/>
+            <p:nvPr/>
+          </p:nvSpPr>
+          <p:spPr>
+            <a:xfrm flipH="false" flipV="false" rot="0">
+              <a:off x="33020" y="41910"/>
+              <a:ext cx="2288540" cy="867410"/>
+            </a:xfrm>
+            <a:custGeom>
+              <a:avLst/>
+              <a:gdLst/>
+              <a:ahLst/>
+              <a:cxnLst/>
+              <a:rect r="r" b="b" t="t" l="l"/>
+              <a:pathLst>
+                <a:path h="867410" w="2288540">
+                  <a:moveTo>
+                    <a:pt x="1526540" y="81280"/>
+                  </a:moveTo>
+                  <a:cubicBezTo>
+                    <a:pt x="878840" y="54610"/>
+                    <a:pt x="463550" y="40640"/>
+                    <a:pt x="325120" y="67310"/>
+                  </a:cubicBezTo>
+                  <a:cubicBezTo>
+                    <a:pt x="271780" y="77470"/>
+                    <a:pt x="251460" y="88900"/>
+                    <a:pt x="218440" y="107950"/>
+                  </a:cubicBezTo>
+                  <a:cubicBezTo>
+                    <a:pt x="185420" y="128270"/>
+                    <a:pt x="151130" y="152400"/>
+                    <a:pt x="127000" y="187960"/>
+                  </a:cubicBezTo>
+                  <a:cubicBezTo>
+                    <a:pt x="96520" y="232410"/>
+                    <a:pt x="77470" y="307340"/>
+                    <a:pt x="67310" y="365760"/>
+                  </a:cubicBezTo>
+                  <a:cubicBezTo>
+                    <a:pt x="58420" y="419100"/>
+                    <a:pt x="59690" y="482600"/>
+                    <a:pt x="63500" y="523240"/>
+                  </a:cubicBezTo>
+                  <a:cubicBezTo>
+                    <a:pt x="66040" y="549910"/>
+                    <a:pt x="66040" y="566420"/>
+                    <a:pt x="76200" y="588010"/>
+                  </a:cubicBezTo>
+                  <a:cubicBezTo>
+                    <a:pt x="88900" y="614680"/>
+                    <a:pt x="116840" y="646430"/>
+                    <a:pt x="144780" y="666750"/>
+                  </a:cubicBezTo>
+                  <a:cubicBezTo>
+                    <a:pt x="172720" y="687070"/>
+                    <a:pt x="193040" y="694690"/>
+                    <a:pt x="241300" y="708660"/>
+                  </a:cubicBezTo>
+                  <a:cubicBezTo>
+                    <a:pt x="359410" y="742950"/>
+                    <a:pt x="652780" y="788670"/>
+                    <a:pt x="882650" y="806450"/>
+                  </a:cubicBezTo>
+                  <a:cubicBezTo>
+                    <a:pt x="1144270" y="826770"/>
+                    <a:pt x="1521460" y="831850"/>
+                    <a:pt x="1728470" y="806450"/>
+                  </a:cubicBezTo>
+                  <a:cubicBezTo>
+                    <a:pt x="1850390" y="791210"/>
+                    <a:pt x="1944370" y="762000"/>
+                    <a:pt x="2015490" y="734060"/>
+                  </a:cubicBezTo>
+                  <a:cubicBezTo>
+                    <a:pt x="2061210" y="716280"/>
+                    <a:pt x="2091690" y="703580"/>
+                    <a:pt x="2123440" y="676910"/>
+                  </a:cubicBezTo>
+                  <a:cubicBezTo>
+                    <a:pt x="2157730" y="647700"/>
+                    <a:pt x="2193290" y="598170"/>
+                    <a:pt x="2211070" y="558800"/>
+                  </a:cubicBezTo>
+                  <a:cubicBezTo>
+                    <a:pt x="2226310" y="527050"/>
+                    <a:pt x="2230120" y="499110"/>
+                    <a:pt x="2232660" y="463550"/>
+                  </a:cubicBezTo>
+                  <a:cubicBezTo>
+                    <a:pt x="2235200" y="420370"/>
+                    <a:pt x="2231390" y="350520"/>
+                    <a:pt x="2218690" y="317500"/>
+                  </a:cubicBezTo>
+                  <a:cubicBezTo>
+                    <a:pt x="2211070" y="297180"/>
+                    <a:pt x="2202180" y="289560"/>
+                    <a:pt x="2185670" y="274320"/>
+                  </a:cubicBezTo>
+                  <a:cubicBezTo>
+                    <a:pt x="2157730" y="248920"/>
+                    <a:pt x="2104390" y="218440"/>
+                    <a:pt x="2052320" y="191770"/>
+                  </a:cubicBezTo>
+                  <a:cubicBezTo>
+                    <a:pt x="1985010" y="157480"/>
+                    <a:pt x="1894840" y="114300"/>
+                    <a:pt x="1812290" y="92710"/>
+                  </a:cubicBezTo>
+                  <a:cubicBezTo>
+                    <a:pt x="1732280" y="72390"/>
+                    <a:pt x="1633220" y="62230"/>
+                    <a:pt x="1564640" y="63500"/>
+                  </a:cubicBezTo>
+                  <a:cubicBezTo>
+                    <a:pt x="1515110" y="64770"/>
+                    <a:pt x="1460500" y="92710"/>
+                    <a:pt x="1436370" y="85090"/>
+                  </a:cubicBezTo>
+                  <a:cubicBezTo>
+                    <a:pt x="1424940" y="81280"/>
+                    <a:pt x="1414780" y="72390"/>
+                    <a:pt x="1413510" y="64770"/>
+                  </a:cubicBezTo>
+                  <a:cubicBezTo>
+                    <a:pt x="1412240" y="55880"/>
+                    <a:pt x="1426210" y="36830"/>
+                    <a:pt x="1433830" y="34290"/>
+                  </a:cubicBezTo>
+                  <a:cubicBezTo>
+                    <a:pt x="1440180" y="31750"/>
+                    <a:pt x="1451610" y="38100"/>
+                    <a:pt x="1456690" y="43180"/>
+                  </a:cubicBezTo>
+                  <a:cubicBezTo>
+                    <a:pt x="1461770" y="48260"/>
+                    <a:pt x="1464310" y="59690"/>
+                    <a:pt x="1463040" y="66040"/>
+                  </a:cubicBezTo>
+                  <a:cubicBezTo>
+                    <a:pt x="1461770" y="72390"/>
+                    <a:pt x="1454150" y="81280"/>
+                    <a:pt x="1447800" y="83820"/>
+                  </a:cubicBezTo>
+                  <a:cubicBezTo>
+                    <a:pt x="1441450" y="86360"/>
+                    <a:pt x="1428750" y="86360"/>
+                    <a:pt x="1423670" y="81280"/>
+                  </a:cubicBezTo>
+                  <a:cubicBezTo>
+                    <a:pt x="1417320" y="74930"/>
+                    <a:pt x="1413510" y="53340"/>
+                    <a:pt x="1418590" y="44450"/>
+                  </a:cubicBezTo>
+                  <a:cubicBezTo>
+                    <a:pt x="1426210" y="33020"/>
+                    <a:pt x="1457960" y="29210"/>
+                    <a:pt x="1478280" y="24130"/>
+                  </a:cubicBezTo>
+                  <a:cubicBezTo>
+                    <a:pt x="1498600" y="19050"/>
+                    <a:pt x="1513840" y="13970"/>
+                    <a:pt x="1539240" y="12700"/>
+                  </a:cubicBezTo>
+                  <a:cubicBezTo>
+                    <a:pt x="1578610" y="10160"/>
+                    <a:pt x="1644650" y="15240"/>
+                    <a:pt x="1695450" y="21590"/>
+                  </a:cubicBezTo>
+                  <a:cubicBezTo>
+                    <a:pt x="1744980" y="27940"/>
+                    <a:pt x="1789430" y="34290"/>
+                    <a:pt x="1842770" y="49530"/>
+                  </a:cubicBezTo>
+                  <a:cubicBezTo>
+                    <a:pt x="1908810" y="68580"/>
+                    <a:pt x="1991360" y="102870"/>
+                    <a:pt x="2056130" y="135890"/>
+                  </a:cubicBezTo>
+                  <a:cubicBezTo>
+                    <a:pt x="2115820" y="166370"/>
+                    <a:pt x="2184400" y="201930"/>
+                    <a:pt x="2221230" y="238760"/>
+                  </a:cubicBezTo>
+                  <a:cubicBezTo>
+                    <a:pt x="2246630" y="264160"/>
+                    <a:pt x="2260600" y="285750"/>
+                    <a:pt x="2270760" y="317500"/>
+                  </a:cubicBezTo>
+                  <a:cubicBezTo>
+                    <a:pt x="2284730" y="359410"/>
+                    <a:pt x="2288540" y="425450"/>
+                    <a:pt x="2283460" y="474980"/>
+                  </a:cubicBezTo>
+                  <a:cubicBezTo>
+                    <a:pt x="2278380" y="520700"/>
+                    <a:pt x="2264410" y="561340"/>
+                    <a:pt x="2242820" y="601980"/>
+                  </a:cubicBezTo>
+                  <a:cubicBezTo>
+                    <a:pt x="2219960" y="646430"/>
+                    <a:pt x="2190750" y="693420"/>
+                    <a:pt x="2146300" y="726440"/>
+                  </a:cubicBezTo>
+                  <a:cubicBezTo>
+                    <a:pt x="2094230" y="767080"/>
+                    <a:pt x="2001520" y="792480"/>
+                    <a:pt x="1939290" y="812800"/>
+                  </a:cubicBezTo>
+                  <a:cubicBezTo>
+                    <a:pt x="1891030" y="829310"/>
+                    <a:pt x="1851660" y="839470"/>
+                    <a:pt x="1808480" y="847090"/>
+                  </a:cubicBezTo>
+                  <a:cubicBezTo>
+                    <a:pt x="1766570" y="854710"/>
+                    <a:pt x="1742440" y="857250"/>
+                    <a:pt x="1684020" y="859790"/>
+                  </a:cubicBezTo>
+                  <a:cubicBezTo>
+                    <a:pt x="1544320" y="867410"/>
+                    <a:pt x="1145540" y="866140"/>
+                    <a:pt x="972820" y="859790"/>
+                  </a:cubicBezTo>
+                  <a:cubicBezTo>
+                    <a:pt x="873760" y="855980"/>
+                    <a:pt x="831850" y="853440"/>
+                    <a:pt x="737870" y="842010"/>
+                  </a:cubicBezTo>
+                  <a:cubicBezTo>
+                    <a:pt x="595630" y="824230"/>
+                    <a:pt x="309880" y="786130"/>
+                    <a:pt x="203200" y="750570"/>
+                  </a:cubicBezTo>
+                  <a:cubicBezTo>
+                    <a:pt x="154940" y="734060"/>
+                    <a:pt x="132080" y="725170"/>
+                    <a:pt x="102870" y="699770"/>
+                  </a:cubicBezTo>
+                  <a:cubicBezTo>
+                    <a:pt x="69850" y="671830"/>
+                    <a:pt x="35560" y="631190"/>
+                    <a:pt x="20320" y="582930"/>
+                  </a:cubicBezTo>
+                  <a:cubicBezTo>
+                    <a:pt x="0" y="521970"/>
+                    <a:pt x="7620" y="425450"/>
+                    <a:pt x="17780" y="355600"/>
+                  </a:cubicBezTo>
+                  <a:cubicBezTo>
+                    <a:pt x="26670" y="293370"/>
+                    <a:pt x="53340" y="223520"/>
+                    <a:pt x="73660" y="181610"/>
+                  </a:cubicBezTo>
+                  <a:cubicBezTo>
+                    <a:pt x="87630" y="154940"/>
+                    <a:pt x="97790" y="138430"/>
+                    <a:pt x="116840" y="119380"/>
+                  </a:cubicBezTo>
+                  <a:cubicBezTo>
+                    <a:pt x="137160" y="97790"/>
+                    <a:pt x="165100" y="80010"/>
+                    <a:pt x="194310" y="63500"/>
+                  </a:cubicBezTo>
+                  <a:cubicBezTo>
+                    <a:pt x="227330" y="45720"/>
+                    <a:pt x="270510" y="29210"/>
+                    <a:pt x="306070" y="20320"/>
+                  </a:cubicBezTo>
+                  <a:cubicBezTo>
+                    <a:pt x="336550" y="12700"/>
+                    <a:pt x="347980" y="11430"/>
+                    <a:pt x="392430" y="8890"/>
+                  </a:cubicBezTo>
+                  <a:cubicBezTo>
+                    <a:pt x="546100" y="0"/>
+                    <a:pt x="1243330" y="8890"/>
+                    <a:pt x="1418590" y="20320"/>
+                  </a:cubicBezTo>
+                  <a:cubicBezTo>
+                    <a:pt x="1479550" y="24130"/>
+                    <a:pt x="1524000" y="19050"/>
+                    <a:pt x="1541780" y="34290"/>
+                  </a:cubicBezTo>
+                  <a:cubicBezTo>
+                    <a:pt x="1551940" y="41910"/>
+                    <a:pt x="1555750" y="59690"/>
+                    <a:pt x="1551940" y="67310"/>
+                  </a:cubicBezTo>
+                  <a:cubicBezTo>
+                    <a:pt x="1549400" y="74930"/>
+                    <a:pt x="1526540" y="81280"/>
+                    <a:pt x="1526540" y="81280"/>
+                  </a:cubicBezTo>
+                </a:path>
+              </a:pathLst>
+            </a:custGeom>
+            <a:solidFill>
+              <a:srgbClr val="E4DCD0"/>
+            </a:solidFill>
+            <a:ln cap="sq">
+              <a:noFill/>
+              <a:prstDash val="solid"/>
+              <a:miter/>
+            </a:ln>
+          </p:spPr>
+        </p:sp>
+      </p:grpSp>
     </p:spTree>
   </p:cSld>
   <p:clrMapOvr>
     <a:masterClrMapping/>
   </p:clrMapOvr>
+  <p:transition spd="fast">
+    <p:fade/>
+  </p:transition>
 </p:sld>
 </file>
 
@@ -15152,6 +15949,9 @@
   <p:clrMapOvr>
     <a:masterClrMapping/>
   </p:clrMapOvr>
+  <p:transition spd="fast">
+    <p:fade/>
+  </p:transition>
 </p:sld>
 </file>
 
@@ -15447,8 +16247,8 @@
         </p:nvSpPr>
         <p:spPr>
           <a:xfrm flipH="false" flipV="false" rot="0">
-            <a:off x="1617722" y="4888423"/>
-            <a:ext cx="8912802" cy="5017577"/>
+            <a:off x="12220596" y="4880303"/>
+            <a:ext cx="5038704" cy="5017577"/>
           </a:xfrm>
           <a:custGeom>
             <a:avLst/>
@@ -15457,15 +16257,15 @@
             <a:cxnLst/>
             <a:rect r="r" b="b" t="t" l="l"/>
             <a:pathLst>
-              <a:path h="5017577" w="8912802">
+              <a:path h="5017577" w="5038704">
                 <a:moveTo>
                   <a:pt x="0" y="0"/>
                 </a:moveTo>
                 <a:lnTo>
-                  <a:pt x="8912802" y="0"/>
-                </a:lnTo>
-                <a:lnTo>
-                  <a:pt x="8912802" y="5017577"/>
+                  <a:pt x="5038704" y="0"/>
+                </a:lnTo>
+                <a:lnTo>
+                  <a:pt x="5038704" y="5017577"/>
                 </a:lnTo>
                 <a:lnTo>
                   <a:pt x="0" y="5017577"/>
@@ -15493,8 +16293,8 @@
         </p:nvSpPr>
         <p:spPr>
           <a:xfrm flipH="false" flipV="false" rot="0">
-            <a:off x="11583572" y="4888423"/>
-            <a:ext cx="5038704" cy="5017577"/>
+            <a:off x="1028700" y="4880303"/>
+            <a:ext cx="10545200" cy="5012225"/>
           </a:xfrm>
           <a:custGeom>
             <a:avLst/>
@@ -15503,18 +16303,18 @@
             <a:cxnLst/>
             <a:rect r="r" b="b" t="t" l="l"/>
             <a:pathLst>
-              <a:path h="5017577" w="5038704">
+              <a:path h="5012225" w="10545200">
                 <a:moveTo>
                   <a:pt x="0" y="0"/>
                 </a:moveTo>
                 <a:lnTo>
-                  <a:pt x="5038704" y="0"/>
-                </a:lnTo>
-                <a:lnTo>
-                  <a:pt x="5038704" y="5017577"/>
-                </a:lnTo>
-                <a:lnTo>
-                  <a:pt x="0" y="5017577"/>
+                  <a:pt x="10545200" y="0"/>
+                </a:lnTo>
+                <a:lnTo>
+                  <a:pt x="10545200" y="5012224"/>
+                </a:lnTo>
+                <a:lnTo>
+                  <a:pt x="0" y="5012224"/>
                 </a:lnTo>
                 <a:lnTo>
                   <a:pt x="0" y="0"/>
@@ -15539,8 +16339,8 @@
         </p:nvSpPr>
         <p:spPr>
           <a:xfrm rot="0">
-            <a:off x="5923776" y="3360345"/>
-            <a:ext cx="6440448" cy="763311"/>
+            <a:off x="0" y="3360345"/>
+            <a:ext cx="18288000" cy="763311"/>
           </a:xfrm>
           <a:prstGeom prst="rect">
             <a:avLst/>
@@ -15662,6 +16462,9 @@
   <p:clrMapOvr>
     <a:masterClrMapping/>
   </p:clrMapOvr>
+  <p:transition spd="fast">
+    <p:fade/>
+  </p:transition>
 </p:sld>
 </file>
 
